--- a/出入庫システムイメージ2.pptx
+++ b/出入庫システムイメージ2.pptx
@@ -12,6 +12,8 @@
     <p:sldId id="260" r:id="rId6"/>
     <p:sldId id="261" r:id="rId7"/>
     <p:sldId id="263" r:id="rId8"/>
+    <p:sldId id="264" r:id="rId9"/>
+    <p:sldId id="265" r:id="rId10"/>
   </p:sldIdLst>
   <p:sldSz cx="9144000" cy="6858000" type="screen4x3"/>
   <p:notesSz cx="6858000" cy="9144000"/>
@@ -249,7 +251,7 @@
           <a:p>
             <a:fld id="{F822E4AF-C6BC-43CF-A195-310F857A4769}" type="datetimeFigureOut">
               <a:rPr kumimoji="1" lang="ja-JP" altLang="en-US" smtClean="0"/>
-              <a:t>2019/2/21</a:t>
+              <a:t>2019/2/23</a:t>
             </a:fld>
             <a:endParaRPr kumimoji="1" lang="ja-JP" altLang="en-US"/>
           </a:p>
@@ -451,7 +453,7 @@
           <a:p>
             <a:fld id="{F822E4AF-C6BC-43CF-A195-310F857A4769}" type="datetimeFigureOut">
               <a:rPr kumimoji="1" lang="ja-JP" altLang="en-US" smtClean="0"/>
-              <a:t>2019/2/21</a:t>
+              <a:t>2019/2/23</a:t>
             </a:fld>
             <a:endParaRPr kumimoji="1" lang="ja-JP" altLang="en-US"/>
           </a:p>
@@ -663,7 +665,7 @@
           <a:p>
             <a:fld id="{F822E4AF-C6BC-43CF-A195-310F857A4769}" type="datetimeFigureOut">
               <a:rPr kumimoji="1" lang="ja-JP" altLang="en-US" smtClean="0"/>
-              <a:t>2019/2/21</a:t>
+              <a:t>2019/2/23</a:t>
             </a:fld>
             <a:endParaRPr kumimoji="1" lang="ja-JP" altLang="en-US"/>
           </a:p>
@@ -865,7 +867,7 @@
           <a:p>
             <a:fld id="{F822E4AF-C6BC-43CF-A195-310F857A4769}" type="datetimeFigureOut">
               <a:rPr kumimoji="1" lang="ja-JP" altLang="en-US" smtClean="0"/>
-              <a:t>2019/2/21</a:t>
+              <a:t>2019/2/23</a:t>
             </a:fld>
             <a:endParaRPr kumimoji="1" lang="ja-JP" altLang="en-US"/>
           </a:p>
@@ -1109,7 +1111,7 @@
           <a:p>
             <a:fld id="{F822E4AF-C6BC-43CF-A195-310F857A4769}" type="datetimeFigureOut">
               <a:rPr kumimoji="1" lang="ja-JP" altLang="en-US" smtClean="0"/>
-              <a:t>2019/2/21</a:t>
+              <a:t>2019/2/23</a:t>
             </a:fld>
             <a:endParaRPr kumimoji="1" lang="ja-JP" altLang="en-US"/>
           </a:p>
@@ -1405,7 +1407,7 @@
           <a:p>
             <a:fld id="{F822E4AF-C6BC-43CF-A195-310F857A4769}" type="datetimeFigureOut">
               <a:rPr kumimoji="1" lang="ja-JP" altLang="en-US" smtClean="0"/>
-              <a:t>2019/2/21</a:t>
+              <a:t>2019/2/23</a:t>
             </a:fld>
             <a:endParaRPr kumimoji="1" lang="ja-JP" altLang="en-US"/>
           </a:p>
@@ -1836,7 +1838,7 @@
           <a:p>
             <a:fld id="{F822E4AF-C6BC-43CF-A195-310F857A4769}" type="datetimeFigureOut">
               <a:rPr kumimoji="1" lang="ja-JP" altLang="en-US" smtClean="0"/>
-              <a:t>2019/2/21</a:t>
+              <a:t>2019/2/23</a:t>
             </a:fld>
             <a:endParaRPr kumimoji="1" lang="ja-JP" altLang="en-US"/>
           </a:p>
@@ -1954,7 +1956,7 @@
           <a:p>
             <a:fld id="{F822E4AF-C6BC-43CF-A195-310F857A4769}" type="datetimeFigureOut">
               <a:rPr kumimoji="1" lang="ja-JP" altLang="en-US" smtClean="0"/>
-              <a:t>2019/2/21</a:t>
+              <a:t>2019/2/23</a:t>
             </a:fld>
             <a:endParaRPr kumimoji="1" lang="ja-JP" altLang="en-US"/>
           </a:p>
@@ -2049,7 +2051,7 @@
           <a:p>
             <a:fld id="{F822E4AF-C6BC-43CF-A195-310F857A4769}" type="datetimeFigureOut">
               <a:rPr kumimoji="1" lang="ja-JP" altLang="en-US" smtClean="0"/>
-              <a:t>2019/2/21</a:t>
+              <a:t>2019/2/23</a:t>
             </a:fld>
             <a:endParaRPr kumimoji="1" lang="ja-JP" altLang="en-US"/>
           </a:p>
@@ -2358,7 +2360,7 @@
           <a:p>
             <a:fld id="{F822E4AF-C6BC-43CF-A195-310F857A4769}" type="datetimeFigureOut">
               <a:rPr kumimoji="1" lang="ja-JP" altLang="en-US" smtClean="0"/>
-              <a:t>2019/2/21</a:t>
+              <a:t>2019/2/23</a:t>
             </a:fld>
             <a:endParaRPr kumimoji="1" lang="ja-JP" altLang="en-US"/>
           </a:p>
@@ -2615,7 +2617,7 @@
           <a:p>
             <a:fld id="{F822E4AF-C6BC-43CF-A195-310F857A4769}" type="datetimeFigureOut">
               <a:rPr kumimoji="1" lang="ja-JP" altLang="en-US" smtClean="0"/>
-              <a:t>2019/2/21</a:t>
+              <a:t>2019/2/23</a:t>
             </a:fld>
             <a:endParaRPr kumimoji="1" lang="ja-JP" altLang="en-US"/>
           </a:p>
@@ -2860,7 +2862,7 @@
           <a:p>
             <a:fld id="{F822E4AF-C6BC-43CF-A195-310F857A4769}" type="datetimeFigureOut">
               <a:rPr kumimoji="1" lang="ja-JP" altLang="en-US" smtClean="0"/>
-              <a:t>2019/2/21</a:t>
+              <a:t>2019/2/23</a:t>
             </a:fld>
             <a:endParaRPr kumimoji="1" lang="ja-JP" altLang="en-US"/>
           </a:p>
@@ -9493,6 +9495,307 @@
 </p:sld>
 </file>
 
+<file path=ppt/slides/slide8.xml><?xml version="1.0" encoding="utf-8"?>
+<p:sld xmlns:a="http://schemas.openxmlformats.org/drawingml/2006/main" xmlns:r="http://schemas.openxmlformats.org/officeDocument/2006/relationships" xmlns:p="http://schemas.openxmlformats.org/presentationml/2006/main">
+  <p:cSld>
+    <p:spTree>
+      <p:nvGrpSpPr>
+        <p:cNvPr id="1" name=""/>
+        <p:cNvGrpSpPr/>
+        <p:nvPr/>
+      </p:nvGrpSpPr>
+      <p:grpSpPr>
+        <a:xfrm>
+          <a:off x="0" y="0"/>
+          <a:ext cx="0" cy="0"/>
+          <a:chOff x="0" y="0"/>
+          <a:chExt cx="0" cy="0"/>
+        </a:xfrm>
+      </p:grpSpPr>
+      <p:sp>
+        <p:nvSpPr>
+          <p:cNvPr id="2" name="Title 1">
+            <a:extLst>
+              <a:ext uri="{FF2B5EF4-FFF2-40B4-BE49-F238E27FC236}">
+                <a16:creationId xmlns:a16="http://schemas.microsoft.com/office/drawing/2014/main" id="{3A05FB15-2A37-A844-9524-E18832BF00F3}"/>
+              </a:ext>
+            </a:extLst>
+          </p:cNvPr>
+          <p:cNvSpPr>
+            <a:spLocks noGrp="1"/>
+          </p:cNvSpPr>
+          <p:nvPr>
+            <p:ph type="title"/>
+          </p:nvPr>
+        </p:nvSpPr>
+        <p:spPr/>
+        <p:txBody>
+          <a:bodyPr/>
+          <a:lstStyle/>
+          <a:p>
+            <a:r>
+              <a:rPr lang="ja-JP" altLang="en-US"/>
+              <a:t>作成</a:t>
+            </a:r>
+            <a:r>
+              <a:rPr lang="ja" altLang="en-US" dirty="0"/>
+              <a:t>スケジュール</a:t>
+            </a:r>
+            <a:endParaRPr lang="en-US" dirty="0"/>
+          </a:p>
+        </p:txBody>
+      </p:sp>
+      <p:sp>
+        <p:nvSpPr>
+          <p:cNvPr id="3" name="Content Placeholder 2">
+            <a:extLst>
+              <a:ext uri="{FF2B5EF4-FFF2-40B4-BE49-F238E27FC236}">
+                <a16:creationId xmlns:a16="http://schemas.microsoft.com/office/drawing/2014/main" id="{4B2F1124-12E5-5841-B22E-5DDCA65848C8}"/>
+              </a:ext>
+            </a:extLst>
+          </p:cNvPr>
+          <p:cNvSpPr>
+            <a:spLocks noGrp="1"/>
+          </p:cNvSpPr>
+          <p:nvPr>
+            <p:ph idx="1"/>
+          </p:nvPr>
+        </p:nvSpPr>
+        <p:spPr/>
+        <p:txBody>
+          <a:bodyPr/>
+          <a:lstStyle/>
+          <a:p>
+            <a:pPr marL="0" indent="0">
+              <a:buNone/>
+            </a:pPr>
+            <a:r>
+              <a:rPr lang="en-US" dirty="0"/>
+              <a:t>1.</a:t>
+            </a:r>
+            <a:r>
+              <a:rPr lang="ja-JP" altLang="en-US"/>
+              <a:t>テーブル設計</a:t>
+            </a:r>
+            <a:endParaRPr lang="en-US" altLang="ja-JP" dirty="0"/>
+          </a:p>
+          <a:p>
+            <a:pPr marL="0" indent="0">
+              <a:buNone/>
+            </a:pPr>
+            <a:r>
+              <a:rPr lang="en-US" dirty="0"/>
+              <a:t>2.</a:t>
+            </a:r>
+            <a:r>
+              <a:rPr lang="ja-JP" altLang="en-US"/>
+              <a:t>画面設計</a:t>
+            </a:r>
+            <a:endParaRPr lang="en-US" altLang="ja-JP" dirty="0"/>
+          </a:p>
+          <a:p>
+            <a:pPr marL="0" indent="0">
+              <a:buNone/>
+            </a:pPr>
+            <a:r>
+              <a:rPr lang="en-US" dirty="0"/>
+              <a:t>3.</a:t>
+            </a:r>
+            <a:r>
+              <a:rPr lang="ja" altLang="en-US" dirty="0"/>
+              <a:t>サーバサイド</a:t>
+            </a:r>
+            <a:r>
+              <a:rPr lang="ja-JP" altLang="en-US"/>
+              <a:t>設計</a:t>
+            </a:r>
+            <a:endParaRPr lang="en-US" altLang="ja-JP" dirty="0"/>
+          </a:p>
+          <a:p>
+            <a:pPr marL="0" indent="0">
+              <a:buNone/>
+            </a:pPr>
+            <a:r>
+              <a:rPr lang="en-US" dirty="0"/>
+              <a:t>4.</a:t>
+            </a:r>
+            <a:r>
+              <a:rPr lang="ja" altLang="en-US" dirty="0"/>
+              <a:t>プログラミング</a:t>
+            </a:r>
+            <a:endParaRPr lang="en-US" altLang="ja" dirty="0"/>
+          </a:p>
+          <a:p>
+            <a:pPr marL="0" indent="0">
+              <a:buNone/>
+            </a:pPr>
+            <a:r>
+              <a:rPr lang="en-US" altLang="ja" dirty="0"/>
+              <a:t>…</a:t>
+            </a:r>
+          </a:p>
+          <a:p>
+            <a:pPr marL="0" indent="0">
+              <a:buNone/>
+            </a:pPr>
+            <a:r>
+              <a:rPr lang="en-US" dirty="0"/>
+              <a:t>5.</a:t>
+            </a:r>
+            <a:r>
+              <a:rPr lang="ja-JP" altLang="en-US"/>
+              <a:t>デプロイ方法</a:t>
+            </a:r>
+            <a:endParaRPr lang="en-US" dirty="0"/>
+          </a:p>
+        </p:txBody>
+      </p:sp>
+    </p:spTree>
+    <p:extLst>
+      <p:ext uri="{BB962C8B-B14F-4D97-AF65-F5344CB8AC3E}">
+        <p14:creationId xmlns:p14="http://schemas.microsoft.com/office/powerpoint/2010/main" val="114578408"/>
+      </p:ext>
+    </p:extLst>
+  </p:cSld>
+  <p:clrMapOvr>
+    <a:masterClrMapping/>
+  </p:clrMapOvr>
+</p:sld>
+</file>
+
+<file path=ppt/slides/slide9.xml><?xml version="1.0" encoding="utf-8"?>
+<p:sld xmlns:a="http://schemas.openxmlformats.org/drawingml/2006/main" xmlns:r="http://schemas.openxmlformats.org/officeDocument/2006/relationships" xmlns:p="http://schemas.openxmlformats.org/presentationml/2006/main">
+  <p:cSld>
+    <p:spTree>
+      <p:nvGrpSpPr>
+        <p:cNvPr id="1" name=""/>
+        <p:cNvGrpSpPr/>
+        <p:nvPr/>
+      </p:nvGrpSpPr>
+      <p:grpSpPr>
+        <a:xfrm>
+          <a:off x="0" y="0"/>
+          <a:ext cx="0" cy="0"/>
+          <a:chOff x="0" y="0"/>
+          <a:chExt cx="0" cy="0"/>
+        </a:xfrm>
+      </p:grpSpPr>
+      <p:sp>
+        <p:nvSpPr>
+          <p:cNvPr id="2" name="Title 1">
+            <a:extLst>
+              <a:ext uri="{FF2B5EF4-FFF2-40B4-BE49-F238E27FC236}">
+                <a16:creationId xmlns:a16="http://schemas.microsoft.com/office/drawing/2014/main" id="{93E0A153-D588-3445-815F-B8B04680AB49}"/>
+              </a:ext>
+            </a:extLst>
+          </p:cNvPr>
+          <p:cNvSpPr>
+            <a:spLocks noGrp="1"/>
+          </p:cNvSpPr>
+          <p:nvPr>
+            <p:ph type="title"/>
+          </p:nvPr>
+        </p:nvSpPr>
+        <p:spPr/>
+        <p:txBody>
+          <a:bodyPr/>
+          <a:lstStyle/>
+          <a:p>
+            <a:r>
+              <a:rPr lang="en-US" dirty="0"/>
+              <a:t>1.</a:t>
+            </a:r>
+            <a:r>
+              <a:rPr lang="ja-JP" altLang="en-US"/>
+              <a:t>テーブル設計</a:t>
+            </a:r>
+            <a:endParaRPr lang="en-US" dirty="0"/>
+          </a:p>
+        </p:txBody>
+      </p:sp>
+      <p:sp>
+        <p:nvSpPr>
+          <p:cNvPr id="3" name="Content Placeholder 2">
+            <a:extLst>
+              <a:ext uri="{FF2B5EF4-FFF2-40B4-BE49-F238E27FC236}">
+                <a16:creationId xmlns:a16="http://schemas.microsoft.com/office/drawing/2014/main" id="{4AABF661-CAD9-0049-BE04-C31DA71FB1CD}"/>
+              </a:ext>
+            </a:extLst>
+          </p:cNvPr>
+          <p:cNvSpPr>
+            <a:spLocks noGrp="1"/>
+          </p:cNvSpPr>
+          <p:nvPr>
+            <p:ph idx="1"/>
+          </p:nvPr>
+        </p:nvSpPr>
+        <p:spPr/>
+        <p:txBody>
+          <a:bodyPr/>
+          <a:lstStyle/>
+          <a:p>
+            <a:pPr marL="0" indent="0">
+              <a:buNone/>
+            </a:pPr>
+            <a:r>
+              <a:rPr lang="en-US" dirty="0"/>
+              <a:t>SQL</a:t>
+            </a:r>
+            <a:r>
+              <a:rPr lang="ja-JP" altLang="en-US"/>
+              <a:t>を使用する</a:t>
+            </a:r>
+            <a:endParaRPr lang="en-US" altLang="ja-JP" dirty="0"/>
+          </a:p>
+          <a:p>
+            <a:pPr marL="0" indent="0">
+              <a:buNone/>
+            </a:pPr>
+            <a:endParaRPr lang="en-US" dirty="0"/>
+          </a:p>
+          <a:p>
+            <a:pPr marL="0" indent="0">
+              <a:buNone/>
+            </a:pPr>
+            <a:r>
+              <a:rPr lang="ja-JP" altLang="en-US"/>
+              <a:t>データの更新、削除等を行うため。</a:t>
+            </a:r>
+            <a:endParaRPr lang="en-US" altLang="ja-JP" dirty="0"/>
+          </a:p>
+          <a:p>
+            <a:pPr marL="0" indent="0">
+              <a:buNone/>
+            </a:pPr>
+            <a:r>
+              <a:rPr lang="ja-JP" altLang="en-US"/>
+              <a:t>→それがなければ</a:t>
+            </a:r>
+            <a:r>
+              <a:rPr lang="en-US" altLang="ja-JP" dirty="0"/>
+              <a:t>NoSQL</a:t>
+            </a:r>
+            <a:r>
+              <a:rPr lang="ja-JP" altLang="en-US"/>
+              <a:t>が良かった</a:t>
+            </a:r>
+            <a:endParaRPr lang="en-US" dirty="0"/>
+          </a:p>
+        </p:txBody>
+      </p:sp>
+    </p:spTree>
+    <p:extLst>
+      <p:ext uri="{BB962C8B-B14F-4D97-AF65-F5344CB8AC3E}">
+        <p14:creationId xmlns:p14="http://schemas.microsoft.com/office/powerpoint/2010/main" val="1976440837"/>
+      </p:ext>
+    </p:extLst>
+  </p:cSld>
+  <p:clrMapOvr>
+    <a:masterClrMapping/>
+  </p:clrMapOvr>
+</p:sld>
+</file>
+
 <file path=ppt/theme/theme1.xml><?xml version="1.0" encoding="utf-8"?>
 <a:theme xmlns:a="http://schemas.openxmlformats.org/drawingml/2006/main" name="Office テーマ">
   <a:themeElements>
